--- a/Useful_material/Workflow for Windows - Teaser trailer.pptx
+++ b/Useful_material/Workflow for Windows - Teaser trailer.pptx
@@ -110,6 +110,11 @@
       </a:defRPr>
     </a:lvl9pPr>
   </p:defaultTextStyle>
+  <p:extLst>
+    <p:ext uri="{EFAFB233-063F-42B5-8137-9DF3F51BA10A}">
+      <p15:sldGuideLst xmlns:p15="http://schemas.microsoft.com/office/powerpoint/2012/main"/>
+    </p:ext>
+  </p:extLst>
 </p:presentation>
 </file>
 
@@ -126,7 +131,7 @@
   <pc:docChgLst>
     <pc:chgData name="Miika Mäki" userId="1efa91841ca29674" providerId="LiveId" clId="{F1BB50DC-3934-4B16-85E0-54A7D65A4B3E}"/>
     <pc:docChg chg="custSel addSld delSld modSld">
-      <pc:chgData name="Miika Mäki" userId="1efa91841ca29674" providerId="LiveId" clId="{F1BB50DC-3934-4B16-85E0-54A7D65A4B3E}" dt="2024-01-05T07:24:29.892" v="75" actId="1076"/>
+      <pc:chgData name="Miika Mäki" userId="1efa91841ca29674" providerId="LiveId" clId="{F1BB50DC-3934-4B16-85E0-54A7D65A4B3E}" dt="2024-01-15T14:46:43.215" v="77" actId="47"/>
       <pc:docMkLst>
         <pc:docMk/>
       </pc:docMkLst>
@@ -175,6 +180,13 @@
           </ac:spMkLst>
         </pc:spChg>
       </pc:sldChg>
+      <pc:sldChg chg="new del">
+        <pc:chgData name="Miika Mäki" userId="1efa91841ca29674" providerId="LiveId" clId="{F1BB50DC-3934-4B16-85E0-54A7D65A4B3E}" dt="2024-01-15T14:46:43.215" v="77" actId="47"/>
+        <pc:sldMkLst>
+          <pc:docMk/>
+          <pc:sldMk cId="3809553730" sldId="264"/>
+        </pc:sldMkLst>
+      </pc:sldChg>
     </pc:docChg>
   </pc:docChgLst>
 </pc:chgInfo>
@@ -329,7 +341,7 @@
           <a:p>
             <a:fld id="{BDA93B88-7BAB-4B89-A939-5ADB9A3F8093}" type="datetimeFigureOut">
               <a:rPr lang="fi-FI" smtClean="0"/>
-              <a:t>5.1.2024</a:t>
+              <a:t>15.1.2024</a:t>
             </a:fld>
             <a:endParaRPr lang="fi-FI"/>
           </a:p>
@@ -529,7 +541,7 @@
           <a:p>
             <a:fld id="{BDA93B88-7BAB-4B89-A939-5ADB9A3F8093}" type="datetimeFigureOut">
               <a:rPr lang="fi-FI" smtClean="0"/>
-              <a:t>5.1.2024</a:t>
+              <a:t>15.1.2024</a:t>
             </a:fld>
             <a:endParaRPr lang="fi-FI"/>
           </a:p>
@@ -739,7 +751,7 @@
           <a:p>
             <a:fld id="{BDA93B88-7BAB-4B89-A939-5ADB9A3F8093}" type="datetimeFigureOut">
               <a:rPr lang="fi-FI" smtClean="0"/>
-              <a:t>5.1.2024</a:t>
+              <a:t>15.1.2024</a:t>
             </a:fld>
             <a:endParaRPr lang="fi-FI"/>
           </a:p>
@@ -939,7 +951,7 @@
           <a:p>
             <a:fld id="{BDA93B88-7BAB-4B89-A939-5ADB9A3F8093}" type="datetimeFigureOut">
               <a:rPr lang="fi-FI" smtClean="0"/>
-              <a:t>5.1.2024</a:t>
+              <a:t>15.1.2024</a:t>
             </a:fld>
             <a:endParaRPr lang="fi-FI"/>
           </a:p>
@@ -1215,7 +1227,7 @@
           <a:p>
             <a:fld id="{BDA93B88-7BAB-4B89-A939-5ADB9A3F8093}" type="datetimeFigureOut">
               <a:rPr lang="fi-FI" smtClean="0"/>
-              <a:t>5.1.2024</a:t>
+              <a:t>15.1.2024</a:t>
             </a:fld>
             <a:endParaRPr lang="fi-FI"/>
           </a:p>
@@ -1483,7 +1495,7 @@
           <a:p>
             <a:fld id="{BDA93B88-7BAB-4B89-A939-5ADB9A3F8093}" type="datetimeFigureOut">
               <a:rPr lang="fi-FI" smtClean="0"/>
-              <a:t>5.1.2024</a:t>
+              <a:t>15.1.2024</a:t>
             </a:fld>
             <a:endParaRPr lang="fi-FI"/>
           </a:p>
@@ -1898,7 +1910,7 @@
           <a:p>
             <a:fld id="{BDA93B88-7BAB-4B89-A939-5ADB9A3F8093}" type="datetimeFigureOut">
               <a:rPr lang="fi-FI" smtClean="0"/>
-              <a:t>5.1.2024</a:t>
+              <a:t>15.1.2024</a:t>
             </a:fld>
             <a:endParaRPr lang="fi-FI"/>
           </a:p>
@@ -2040,7 +2052,7 @@
           <a:p>
             <a:fld id="{BDA93B88-7BAB-4B89-A939-5ADB9A3F8093}" type="datetimeFigureOut">
               <a:rPr lang="fi-FI" smtClean="0"/>
-              <a:t>5.1.2024</a:t>
+              <a:t>15.1.2024</a:t>
             </a:fld>
             <a:endParaRPr lang="fi-FI"/>
           </a:p>
@@ -2153,7 +2165,7 @@
           <a:p>
             <a:fld id="{BDA93B88-7BAB-4B89-A939-5ADB9A3F8093}" type="datetimeFigureOut">
               <a:rPr lang="fi-FI" smtClean="0"/>
-              <a:t>5.1.2024</a:t>
+              <a:t>15.1.2024</a:t>
             </a:fld>
             <a:endParaRPr lang="fi-FI"/>
           </a:p>
@@ -2466,7 +2478,7 @@
           <a:p>
             <a:fld id="{BDA93B88-7BAB-4B89-A939-5ADB9A3F8093}" type="datetimeFigureOut">
               <a:rPr lang="fi-FI" smtClean="0"/>
-              <a:t>5.1.2024</a:t>
+              <a:t>15.1.2024</a:t>
             </a:fld>
             <a:endParaRPr lang="fi-FI"/>
           </a:p>
@@ -2755,7 +2767,7 @@
           <a:p>
             <a:fld id="{BDA93B88-7BAB-4B89-A939-5ADB9A3F8093}" type="datetimeFigureOut">
               <a:rPr lang="fi-FI" smtClean="0"/>
-              <a:t>5.1.2024</a:t>
+              <a:t>15.1.2024</a:t>
             </a:fld>
             <a:endParaRPr lang="fi-FI"/>
           </a:p>
@@ -2998,7 +3010,7 @@
           <a:p>
             <a:fld id="{BDA93B88-7BAB-4B89-A939-5ADB9A3F8093}" type="datetimeFigureOut">
               <a:rPr lang="fi-FI" smtClean="0"/>
-              <a:t>5.1.2024</a:t>
+              <a:t>15.1.2024</a:t>
             </a:fld>
             <a:endParaRPr lang="fi-FI"/>
           </a:p>
